--- a/abgabe/Datenbanken.pptx
+++ b/abgabe/Datenbanken.pptx
@@ -161,6 +161,9 @@
           </p14:sldIdLst>
         </p14:section>
       </p14:sectionLst>
+    </p:ext>
+    <p:ext uri="{EFAFB233-063F-42B5-8137-9DF3F51BA10A}">
+      <p15:sldGuideLst xmlns:p15="http://schemas.microsoft.com/office/powerpoint/2012/main"/>
     </p:ext>
   </p:extLst>
 </p:presentation>

--- a/abgabe/Datenbanken.pptx
+++ b/abgabe/Datenbanken.pptx
@@ -16,12 +16,14 @@
     <p:sldId id="266" r:id="rId10"/>
     <p:sldId id="259" r:id="rId11"/>
     <p:sldId id="267" r:id="rId12"/>
-    <p:sldId id="271" r:id="rId13"/>
-    <p:sldId id="272" r:id="rId14"/>
-    <p:sldId id="268" r:id="rId15"/>
-    <p:sldId id="260" r:id="rId16"/>
-    <p:sldId id="269" r:id="rId17"/>
-    <p:sldId id="270" r:id="rId18"/>
+    <p:sldId id="273" r:id="rId13"/>
+    <p:sldId id="274" r:id="rId14"/>
+    <p:sldId id="271" r:id="rId15"/>
+    <p:sldId id="272" r:id="rId16"/>
+    <p:sldId id="268" r:id="rId17"/>
+    <p:sldId id="260" r:id="rId18"/>
+    <p:sldId id="269" r:id="rId19"/>
+    <p:sldId id="270" r:id="rId20"/>
   </p:sldIdLst>
   <p:sldSz cx="12192000" cy="6858000"/>
   <p:notesSz cx="6858000" cy="9144000"/>
@@ -148,6 +150,8 @@
             <p14:sldId id="266"/>
             <p14:sldId id="259"/>
             <p14:sldId id="267"/>
+            <p14:sldId id="273"/>
+            <p14:sldId id="274"/>
             <p14:sldId id="271"/>
             <p14:sldId id="272"/>
           </p14:sldIdLst>
@@ -3713,7 +3717,7 @@
             <a:pPr lvl="1"/>
             <a:r>
               <a:rPr lang="de-DE" dirty="0"/>
-              <a:t>Duplikate im Datensatz identifiziert und gelöscht.</a:t>
+              <a:t>Duplikate im Datensatz identifizieren</a:t>
             </a:r>
             <a:endParaRPr lang="de-DE" b="1" dirty="0"/>
           </a:p>
@@ -3758,7 +3762,7 @@
           <p:cNvPr id="2" name="Titel 1">
             <a:extLst>
               <a:ext uri="{FF2B5EF4-FFF2-40B4-BE49-F238E27FC236}">
-                <a16:creationId xmlns:a16="http://schemas.microsoft.com/office/drawing/2014/main" id="{EE55EF62-44C3-26D0-7FDD-5410A4A01F95}"/>
+                <a16:creationId xmlns:a16="http://schemas.microsoft.com/office/drawing/2014/main" id="{35439E3C-A3A5-E9A6-5A04-739FA3ED956A}"/>
               </a:ext>
             </a:extLst>
           </p:cNvPr>
@@ -3775,8 +3779,8 @@
           <a:lstStyle/>
           <a:p>
             <a:r>
-              <a:rPr lang="de-DE" dirty="0"/>
-              <a:t>Analyse</a:t>
+              <a:rPr lang="de-CH" dirty="0"/>
+              <a:t>Indizes</a:t>
             </a:r>
           </a:p>
         </p:txBody>
@@ -3786,7 +3790,7 @@
           <p:cNvPr id="3" name="Inhaltsplatzhalter 2">
             <a:extLst>
               <a:ext uri="{FF2B5EF4-FFF2-40B4-BE49-F238E27FC236}">
-                <a16:creationId xmlns:a16="http://schemas.microsoft.com/office/drawing/2014/main" id="{E88BF945-F96C-4E34-85CC-852F57D31102}"/>
+                <a16:creationId xmlns:a16="http://schemas.microsoft.com/office/drawing/2014/main" id="{94E56EC6-D8E4-F1F5-071E-F33E27256136}"/>
               </a:ext>
             </a:extLst>
           </p:cNvPr>
@@ -3802,14 +3806,33 @@
           <a:bodyPr/>
           <a:lstStyle/>
           <a:p>
-            <a:endParaRPr lang="de-DE"/>
+            <a:r>
+              <a:rPr lang="de-CH" dirty="0"/>
+              <a:t>Es wurden Indizes auf die primär- und </a:t>
+            </a:r>
+            <a:r>
+              <a:rPr lang="de-CH" dirty="0" err="1"/>
+              <a:t>fremdschlüssel</a:t>
+            </a:r>
+            <a:r>
+              <a:rPr lang="de-CH" dirty="0"/>
+              <a:t> gesetzt um schnellere </a:t>
+            </a:r>
+            <a:r>
+              <a:rPr lang="de-CH" dirty="0" err="1"/>
+              <a:t>Joins</a:t>
+            </a:r>
+            <a:r>
+              <a:rPr lang="de-CH" dirty="0"/>
+              <a:t> durchzuführen</a:t>
+            </a:r>
           </a:p>
         </p:txBody>
       </p:sp>
     </p:spTree>
     <p:extLst>
       <p:ext uri="{BB962C8B-B14F-4D97-AF65-F5344CB8AC3E}">
-        <p14:creationId xmlns:p14="http://schemas.microsoft.com/office/powerpoint/2010/main" val="3937978772"/>
+        <p14:creationId xmlns:p14="http://schemas.microsoft.com/office/powerpoint/2010/main" val="553294295"/>
       </p:ext>
     </p:extLst>
   </p:cSld>
@@ -3841,7 +3864,7 @@
           <p:cNvPr id="2" name="Titel 1">
             <a:extLst>
               <a:ext uri="{FF2B5EF4-FFF2-40B4-BE49-F238E27FC236}">
-                <a16:creationId xmlns:a16="http://schemas.microsoft.com/office/drawing/2014/main" id="{CCE44E13-31EE-068C-000C-C6D74FD313AF}"/>
+                <a16:creationId xmlns:a16="http://schemas.microsoft.com/office/drawing/2014/main" id="{4CB6B29B-93A5-EAAB-31DA-79F2B557982A}"/>
               </a:ext>
             </a:extLst>
           </p:cNvPr>
@@ -3858,8 +3881,8 @@
           <a:lstStyle/>
           <a:p>
             <a:r>
-              <a:rPr lang="de-DE" dirty="0"/>
-              <a:t>Visualisierung</a:t>
+              <a:rPr lang="de-CH" dirty="0"/>
+              <a:t>Views</a:t>
             </a:r>
           </a:p>
         </p:txBody>
@@ -3869,7 +3892,7 @@
           <p:cNvPr id="3" name="Inhaltsplatzhalter 2">
             <a:extLst>
               <a:ext uri="{FF2B5EF4-FFF2-40B4-BE49-F238E27FC236}">
-                <a16:creationId xmlns:a16="http://schemas.microsoft.com/office/drawing/2014/main" id="{A0A0EE81-D6D1-B2BD-729D-3F7146214F9D}"/>
+                <a16:creationId xmlns:a16="http://schemas.microsoft.com/office/drawing/2014/main" id="{D591F955-83AB-C440-2792-7D5D8D37781B}"/>
               </a:ext>
             </a:extLst>
           </p:cNvPr>
@@ -3885,14 +3908,51 @@
           <a:bodyPr/>
           <a:lstStyle/>
           <a:p>
-            <a:endParaRPr lang="de-DE"/>
+            <a:r>
+              <a:rPr lang="de-CH" dirty="0"/>
+              <a:t>Es wurden zur Bereitstellung der Daten in MySQL hauptsächlich Views verwendet</a:t>
+            </a:r>
+          </a:p>
+          <a:p>
+            <a:pPr lvl="1"/>
+            <a:r>
+              <a:rPr lang="de-CH" dirty="0"/>
+              <a:t>Zur Anzeige der Koordinaten mit den dazu relevanten Metadaten (Score, Kochrichtung)</a:t>
+            </a:r>
+          </a:p>
+          <a:p>
+            <a:pPr lvl="1"/>
+            <a:r>
+              <a:rPr lang="de-CH" dirty="0"/>
+              <a:t>Komplexe Abfragen werden so gekapselt</a:t>
+            </a:r>
+          </a:p>
+          <a:p>
+            <a:pPr lvl="1"/>
+            <a:r>
+              <a:rPr lang="de-CH" dirty="0"/>
+              <a:t>Wiederverwendbar</a:t>
+            </a:r>
+          </a:p>
+          <a:p>
+            <a:pPr lvl="1"/>
+            <a:endParaRPr lang="de-CH" dirty="0"/>
+          </a:p>
+          <a:p>
+            <a:pPr marL="0" indent="0">
+              <a:buNone/>
+            </a:pPr>
+            <a:r>
+              <a:rPr lang="de-CH" dirty="0"/>
+              <a:t>Die Views steigern die Benutzerfreundlichkeit, bei häufigen Datenabfragen, hier bei den Koordinaten</a:t>
+            </a:r>
           </a:p>
         </p:txBody>
       </p:sp>
     </p:spTree>
     <p:extLst>
       <p:ext uri="{BB962C8B-B14F-4D97-AF65-F5344CB8AC3E}">
-        <p14:creationId xmlns:p14="http://schemas.microsoft.com/office/powerpoint/2010/main" val="153904375"/>
+        <p14:creationId xmlns:p14="http://schemas.microsoft.com/office/powerpoint/2010/main" val="3838494758"/>
       </p:ext>
     </p:extLst>
   </p:cSld>
@@ -3907,13 +3967,7 @@
   <p:cSld>
     <p:spTree>
       <p:nvGrpSpPr>
-        <p:cNvPr id="1" name="">
-          <a:extLst>
-            <a:ext uri="{FF2B5EF4-FFF2-40B4-BE49-F238E27FC236}">
-              <a16:creationId xmlns:a16="http://schemas.microsoft.com/office/drawing/2014/main" id="{047583FB-3450-F8B5-2720-84E9923C50D2}"/>
-            </a:ext>
-          </a:extLst>
-        </p:cNvPr>
+        <p:cNvPr id="1" name=""/>
         <p:cNvGrpSpPr/>
         <p:nvPr/>
       </p:nvGrpSpPr>
@@ -3930,58 +3984,58 @@
           <p:cNvPr id="2" name="Titel 1">
             <a:extLst>
               <a:ext uri="{FF2B5EF4-FFF2-40B4-BE49-F238E27FC236}">
-                <a16:creationId xmlns:a16="http://schemas.microsoft.com/office/drawing/2014/main" id="{3F7C46FB-D806-DF86-38D0-B7F9F26D12CC}"/>
-              </a:ext>
-            </a:extLst>
-          </p:cNvPr>
-          <p:cNvSpPr>
-            <a:spLocks noGrp="1"/>
-          </p:cNvSpPr>
-          <p:nvPr>
-            <p:ph type="ctrTitle"/>
-          </p:nvPr>
-        </p:nvSpPr>
-        <p:spPr/>
-        <p:txBody>
-          <a:bodyPr/>
-          <a:lstStyle/>
-          <a:p>
-            <a:r>
-              <a:rPr lang="de-DE" dirty="0"/>
-              <a:t>Was wäre wenn?</a:t>
-            </a:r>
-          </a:p>
-        </p:txBody>
-      </p:sp>
-      <p:sp>
-        <p:nvSpPr>
-          <p:cNvPr id="3" name="Untertitel 2">
-            <a:extLst>
-              <a:ext uri="{FF2B5EF4-FFF2-40B4-BE49-F238E27FC236}">
-                <a16:creationId xmlns:a16="http://schemas.microsoft.com/office/drawing/2014/main" id="{8C73541C-F225-A891-69E8-0E1CBD48ED10}"/>
-              </a:ext>
-            </a:extLst>
-          </p:cNvPr>
-          <p:cNvSpPr>
-            <a:spLocks noGrp="1"/>
-          </p:cNvSpPr>
-          <p:nvPr>
-            <p:ph type="subTitle" idx="1"/>
-          </p:nvPr>
-        </p:nvSpPr>
-        <p:spPr/>
-        <p:txBody>
-          <a:bodyPr/>
-          <a:lstStyle/>
-          <a:p>
-            <a:endParaRPr lang="de-DE" dirty="0"/>
+                <a16:creationId xmlns:a16="http://schemas.microsoft.com/office/drawing/2014/main" id="{EE55EF62-44C3-26D0-7FDD-5410A4A01F95}"/>
+              </a:ext>
+            </a:extLst>
+          </p:cNvPr>
+          <p:cNvSpPr>
+            <a:spLocks noGrp="1"/>
+          </p:cNvSpPr>
+          <p:nvPr>
+            <p:ph type="title"/>
+          </p:nvPr>
+        </p:nvSpPr>
+        <p:spPr/>
+        <p:txBody>
+          <a:bodyPr/>
+          <a:lstStyle/>
+          <a:p>
+            <a:r>
+              <a:rPr lang="de-DE" dirty="0"/>
+              <a:t>Analyse</a:t>
+            </a:r>
+          </a:p>
+        </p:txBody>
+      </p:sp>
+      <p:sp>
+        <p:nvSpPr>
+          <p:cNvPr id="3" name="Inhaltsplatzhalter 2">
+            <a:extLst>
+              <a:ext uri="{FF2B5EF4-FFF2-40B4-BE49-F238E27FC236}">
+                <a16:creationId xmlns:a16="http://schemas.microsoft.com/office/drawing/2014/main" id="{E88BF945-F96C-4E34-85CC-852F57D31102}"/>
+              </a:ext>
+            </a:extLst>
+          </p:cNvPr>
+          <p:cNvSpPr>
+            <a:spLocks noGrp="1"/>
+          </p:cNvSpPr>
+          <p:nvPr>
+            <p:ph idx="1"/>
+          </p:nvPr>
+        </p:nvSpPr>
+        <p:spPr/>
+        <p:txBody>
+          <a:bodyPr/>
+          <a:lstStyle/>
+          <a:p>
+            <a:endParaRPr lang="de-DE"/>
           </a:p>
         </p:txBody>
       </p:sp>
     </p:spTree>
     <p:extLst>
       <p:ext uri="{BB962C8B-B14F-4D97-AF65-F5344CB8AC3E}">
-        <p14:creationId xmlns:p14="http://schemas.microsoft.com/office/powerpoint/2010/main" val="580949200"/>
+        <p14:creationId xmlns:p14="http://schemas.microsoft.com/office/powerpoint/2010/main" val="3937978772"/>
       </p:ext>
     </p:extLst>
   </p:cSld>
@@ -4013,7 +4067,7 @@
           <p:cNvPr id="2" name="Titel 1">
             <a:extLst>
               <a:ext uri="{FF2B5EF4-FFF2-40B4-BE49-F238E27FC236}">
-                <a16:creationId xmlns:a16="http://schemas.microsoft.com/office/drawing/2014/main" id="{FDCDCC2B-9F58-E61B-871C-2FAB96E20608}"/>
+                <a16:creationId xmlns:a16="http://schemas.microsoft.com/office/drawing/2014/main" id="{CCE44E13-31EE-068C-000C-C6D74FD313AF}"/>
               </a:ext>
             </a:extLst>
           </p:cNvPr>
@@ -4031,7 +4085,7 @@
           <a:p>
             <a:r>
               <a:rPr lang="de-DE" dirty="0"/>
-              <a:t>Ohne Implementierung</a:t>
+              <a:t>Visualisierung</a:t>
             </a:r>
           </a:p>
         </p:txBody>
@@ -4041,7 +4095,7 @@
           <p:cNvPr id="3" name="Inhaltsplatzhalter 2">
             <a:extLst>
               <a:ext uri="{FF2B5EF4-FFF2-40B4-BE49-F238E27FC236}">
-                <a16:creationId xmlns:a16="http://schemas.microsoft.com/office/drawing/2014/main" id="{C458C6F0-0D8D-A82E-7972-0DF9951B7CEF}"/>
+                <a16:creationId xmlns:a16="http://schemas.microsoft.com/office/drawing/2014/main" id="{A0A0EE81-D6D1-B2BD-729D-3F7146214F9D}"/>
               </a:ext>
             </a:extLst>
           </p:cNvPr>
@@ -4057,29 +4111,14 @@
           <a:bodyPr/>
           <a:lstStyle/>
           <a:p>
-            <a:r>
-              <a:rPr lang="de-DE" dirty="0"/>
-              <a:t>Es bleibt bei ineffizienten, flächendeckenden Inspektionen ohne klare Priorisierung</a:t>
-            </a:r>
-          </a:p>
-          <a:p>
-            <a:r>
-              <a:rPr lang="de-DE" dirty="0"/>
-              <a:t>Hohe Risiken in Hotspots bleiben möglicherweise unerkannt.</a:t>
-            </a:r>
-          </a:p>
-          <a:p>
-            <a:r>
-              <a:rPr lang="de-DE" dirty="0"/>
-              <a:t>Ressourcen werden verschwendet, während die öffentliche Gesundheit gefährdet ist.</a:t>
-            </a:r>
+            <a:endParaRPr lang="de-DE"/>
           </a:p>
         </p:txBody>
       </p:sp>
     </p:spTree>
     <p:extLst>
       <p:ext uri="{BB962C8B-B14F-4D97-AF65-F5344CB8AC3E}">
-        <p14:creationId xmlns:p14="http://schemas.microsoft.com/office/powerpoint/2010/main" val="1307711443"/>
+        <p14:creationId xmlns:p14="http://schemas.microsoft.com/office/powerpoint/2010/main" val="153904375"/>
       </p:ext>
     </p:extLst>
   </p:cSld>
@@ -4090,6 +4129,95 @@
 </file>
 
 <file path=ppt/slides/slide16.xml><?xml version="1.0" encoding="utf-8"?>
+<p:sld xmlns:a="http://schemas.openxmlformats.org/drawingml/2006/main" xmlns:r="http://schemas.openxmlformats.org/officeDocument/2006/relationships" xmlns:p="http://schemas.openxmlformats.org/presentationml/2006/main">
+  <p:cSld>
+    <p:spTree>
+      <p:nvGrpSpPr>
+        <p:cNvPr id="1" name="">
+          <a:extLst>
+            <a:ext uri="{FF2B5EF4-FFF2-40B4-BE49-F238E27FC236}">
+              <a16:creationId xmlns:a16="http://schemas.microsoft.com/office/drawing/2014/main" id="{047583FB-3450-F8B5-2720-84E9923C50D2}"/>
+            </a:ext>
+          </a:extLst>
+        </p:cNvPr>
+        <p:cNvGrpSpPr/>
+        <p:nvPr/>
+      </p:nvGrpSpPr>
+      <p:grpSpPr>
+        <a:xfrm>
+          <a:off x="0" y="0"/>
+          <a:ext cx="0" cy="0"/>
+          <a:chOff x="0" y="0"/>
+          <a:chExt cx="0" cy="0"/>
+        </a:xfrm>
+      </p:grpSpPr>
+      <p:sp>
+        <p:nvSpPr>
+          <p:cNvPr id="2" name="Titel 1">
+            <a:extLst>
+              <a:ext uri="{FF2B5EF4-FFF2-40B4-BE49-F238E27FC236}">
+                <a16:creationId xmlns:a16="http://schemas.microsoft.com/office/drawing/2014/main" id="{3F7C46FB-D806-DF86-38D0-B7F9F26D12CC}"/>
+              </a:ext>
+            </a:extLst>
+          </p:cNvPr>
+          <p:cNvSpPr>
+            <a:spLocks noGrp="1"/>
+          </p:cNvSpPr>
+          <p:nvPr>
+            <p:ph type="ctrTitle"/>
+          </p:nvPr>
+        </p:nvSpPr>
+        <p:spPr/>
+        <p:txBody>
+          <a:bodyPr/>
+          <a:lstStyle/>
+          <a:p>
+            <a:r>
+              <a:rPr lang="de-DE" dirty="0"/>
+              <a:t>Was wäre wenn?</a:t>
+            </a:r>
+          </a:p>
+        </p:txBody>
+      </p:sp>
+      <p:sp>
+        <p:nvSpPr>
+          <p:cNvPr id="3" name="Untertitel 2">
+            <a:extLst>
+              <a:ext uri="{FF2B5EF4-FFF2-40B4-BE49-F238E27FC236}">
+                <a16:creationId xmlns:a16="http://schemas.microsoft.com/office/drawing/2014/main" id="{8C73541C-F225-A891-69E8-0E1CBD48ED10}"/>
+              </a:ext>
+            </a:extLst>
+          </p:cNvPr>
+          <p:cNvSpPr>
+            <a:spLocks noGrp="1"/>
+          </p:cNvSpPr>
+          <p:nvPr>
+            <p:ph type="subTitle" idx="1"/>
+          </p:nvPr>
+        </p:nvSpPr>
+        <p:spPr/>
+        <p:txBody>
+          <a:bodyPr/>
+          <a:lstStyle/>
+          <a:p>
+            <a:endParaRPr lang="de-DE" dirty="0"/>
+          </a:p>
+        </p:txBody>
+      </p:sp>
+    </p:spTree>
+    <p:extLst>
+      <p:ext uri="{BB962C8B-B14F-4D97-AF65-F5344CB8AC3E}">
+        <p14:creationId xmlns:p14="http://schemas.microsoft.com/office/powerpoint/2010/main" val="580949200"/>
+      </p:ext>
+    </p:extLst>
+  </p:cSld>
+  <p:clrMapOvr>
+    <a:masterClrMapping/>
+  </p:clrMapOvr>
+</p:sld>
+</file>
+
+<file path=ppt/slides/slide17.xml><?xml version="1.0" encoding="utf-8"?>
 <p:sld xmlns:a="http://schemas.openxmlformats.org/drawingml/2006/main" xmlns:r="http://schemas.openxmlformats.org/officeDocument/2006/relationships" xmlns:p="http://schemas.openxmlformats.org/presentationml/2006/main">
   <p:cSld>
     <p:spTree>
@@ -4111,6 +4239,104 @@
           <p:cNvPr id="2" name="Titel 1">
             <a:extLst>
               <a:ext uri="{FF2B5EF4-FFF2-40B4-BE49-F238E27FC236}">
+                <a16:creationId xmlns:a16="http://schemas.microsoft.com/office/drawing/2014/main" id="{FDCDCC2B-9F58-E61B-871C-2FAB96E20608}"/>
+              </a:ext>
+            </a:extLst>
+          </p:cNvPr>
+          <p:cNvSpPr>
+            <a:spLocks noGrp="1"/>
+          </p:cNvSpPr>
+          <p:nvPr>
+            <p:ph type="title"/>
+          </p:nvPr>
+        </p:nvSpPr>
+        <p:spPr/>
+        <p:txBody>
+          <a:bodyPr/>
+          <a:lstStyle/>
+          <a:p>
+            <a:r>
+              <a:rPr lang="de-DE" dirty="0"/>
+              <a:t>Ohne Implementierung</a:t>
+            </a:r>
+          </a:p>
+        </p:txBody>
+      </p:sp>
+      <p:sp>
+        <p:nvSpPr>
+          <p:cNvPr id="3" name="Inhaltsplatzhalter 2">
+            <a:extLst>
+              <a:ext uri="{FF2B5EF4-FFF2-40B4-BE49-F238E27FC236}">
+                <a16:creationId xmlns:a16="http://schemas.microsoft.com/office/drawing/2014/main" id="{C458C6F0-0D8D-A82E-7972-0DF9951B7CEF}"/>
+              </a:ext>
+            </a:extLst>
+          </p:cNvPr>
+          <p:cNvSpPr>
+            <a:spLocks noGrp="1"/>
+          </p:cNvSpPr>
+          <p:nvPr>
+            <p:ph idx="1"/>
+          </p:nvPr>
+        </p:nvSpPr>
+        <p:spPr/>
+        <p:txBody>
+          <a:bodyPr/>
+          <a:lstStyle/>
+          <a:p>
+            <a:r>
+              <a:rPr lang="de-DE" dirty="0"/>
+              <a:t>Es bleibt bei ineffizienten, flächendeckenden Inspektionen ohne klare Priorisierung</a:t>
+            </a:r>
+          </a:p>
+          <a:p>
+            <a:r>
+              <a:rPr lang="de-DE" dirty="0"/>
+              <a:t>Hohe Risiken in Hotspots bleiben möglicherweise unerkannt.</a:t>
+            </a:r>
+          </a:p>
+          <a:p>
+            <a:r>
+              <a:rPr lang="de-DE" dirty="0"/>
+              <a:t>Ressourcen werden verschwendet, während die öffentliche Gesundheit gefährdet ist.</a:t>
+            </a:r>
+          </a:p>
+        </p:txBody>
+      </p:sp>
+    </p:spTree>
+    <p:extLst>
+      <p:ext uri="{BB962C8B-B14F-4D97-AF65-F5344CB8AC3E}">
+        <p14:creationId xmlns:p14="http://schemas.microsoft.com/office/powerpoint/2010/main" val="1307711443"/>
+      </p:ext>
+    </p:extLst>
+  </p:cSld>
+  <p:clrMapOvr>
+    <a:masterClrMapping/>
+  </p:clrMapOvr>
+</p:sld>
+</file>
+
+<file path=ppt/slides/slide18.xml><?xml version="1.0" encoding="utf-8"?>
+<p:sld xmlns:a="http://schemas.openxmlformats.org/drawingml/2006/main" xmlns:r="http://schemas.openxmlformats.org/officeDocument/2006/relationships" xmlns:p="http://schemas.openxmlformats.org/presentationml/2006/main">
+  <p:cSld>
+    <p:spTree>
+      <p:nvGrpSpPr>
+        <p:cNvPr id="1" name=""/>
+        <p:cNvGrpSpPr/>
+        <p:nvPr/>
+      </p:nvGrpSpPr>
+      <p:grpSpPr>
+        <a:xfrm>
+          <a:off x="0" y="0"/>
+          <a:ext cx="0" cy="0"/>
+          <a:chOff x="0" y="0"/>
+          <a:chExt cx="0" cy="0"/>
+        </a:xfrm>
+      </p:grpSpPr>
+      <p:sp>
+        <p:nvSpPr>
+          <p:cNvPr id="2" name="Titel 1">
+            <a:extLst>
+              <a:ext uri="{FF2B5EF4-FFF2-40B4-BE49-F238E27FC236}">
                 <a16:creationId xmlns:a16="http://schemas.microsoft.com/office/drawing/2014/main" id="{734FD54E-1696-F154-85CA-B8C2FB03B51D}"/>
               </a:ext>
             </a:extLst>
@@ -4187,7 +4413,7 @@
 </p:sld>
 </file>
 
-<file path=ppt/slides/slide17.xml><?xml version="1.0" encoding="utf-8"?>
+<file path=ppt/slides/slide19.xml><?xml version="1.0" encoding="utf-8"?>
 <p:sld xmlns:a="http://schemas.openxmlformats.org/drawingml/2006/main" xmlns:r="http://schemas.openxmlformats.org/officeDocument/2006/relationships" xmlns:p="http://schemas.openxmlformats.org/presentationml/2006/main">
   <p:cSld>
     <p:spTree>
